--- a/DsDotNet/src/UnitTest/UnitTest.Model/ImportOfficeExample/Sample/Sub/PaintShop.pptx
+++ b/DsDotNet/src/UnitTest/UnitTest.Model/ImportOfficeExample/Sample/Sub/PaintShop.pptx
@@ -2983,17 +2983,19 @@
           <p:cNvCxnSpPr>
             <a:cxnSpLocks/>
             <a:stCxn id="4" idx="2"/>
-            <a:endCxn id="76" idx="3"/>
+            <a:endCxn id="76" idx="0"/>
           </p:cNvCxnSpPr>
           <p:nvPr/>
         </p:nvCxnSpPr>
         <p:spPr>
           <a:xfrm rot="16200000" flipH="1">
-            <a:off x="4877577" y="3118788"/>
-            <a:ext cx="818831" cy="620421"/>
+            <a:off x="5288497" y="2707868"/>
+            <a:ext cx="554207" cy="1177637"/>
           </a:xfrm>
-          <a:prstGeom prst="bentConnector2">
-            <a:avLst/>
+          <a:prstGeom prst="bentConnector3">
+            <a:avLst>
+              <a:gd name="adj1" fmla="val 50000"/>
+            </a:avLst>
           </a:prstGeom>
           <a:ln w="25400">
             <a:prstDash val="solid"/>
@@ -3016,29 +3018,511 @@
           </a:fontRef>
         </p:style>
       </p:cxnSp>
+      <p:sp>
+        <p:nvSpPr>
+          <p:cNvPr id="5" name="직사각형 4">
+            <a:extLst>
+              <a:ext uri="{FF2B5EF4-FFF2-40B4-BE49-F238E27FC236}">
+                <a16:creationId xmlns:a16="http://schemas.microsoft.com/office/drawing/2014/main" id="{423B0C68-0626-7AD3-5988-5B65799A39C7}"/>
+              </a:ext>
+            </a:extLst>
+          </p:cNvPr>
+          <p:cNvSpPr/>
+          <p:nvPr/>
+        </p:nvSpPr>
+        <p:spPr>
+          <a:xfrm>
+            <a:off x="4286419" y="4634767"/>
+            <a:ext cx="1380726" cy="651750"/>
+          </a:xfrm>
+          <a:prstGeom prst="rect">
+            <a:avLst/>
+          </a:prstGeom>
+          <a:noFill/>
+          <a:ln w="28575" cap="flat" cmpd="sng" algn="ctr">
+            <a:solidFill>
+              <a:schemeClr val="accent4"/>
+            </a:solidFill>
+            <a:prstDash val="solid"/>
+            <a:round/>
+            <a:headEnd type="none" w="med" len="med"/>
+            <a:tailEnd type="none" w="med" len="med"/>
+          </a:ln>
+        </p:spPr>
+        <p:style>
+          <a:lnRef idx="0">
+            <a:scrgbClr r="0" g="0" b="0"/>
+          </a:lnRef>
+          <a:fillRef idx="0">
+            <a:scrgbClr r="0" g="0" b="0"/>
+          </a:fillRef>
+          <a:effectRef idx="0">
+            <a:scrgbClr r="0" g="0" b="0"/>
+          </a:effectRef>
+          <a:fontRef idx="minor">
+            <a:schemeClr val="accent4"/>
+          </a:fontRef>
+        </p:style>
+        <p:txBody>
+          <a:bodyPr rtlCol="0" anchor="b"/>
+          <a:lstStyle/>
+          <a:p>
+            <a:pPr marL="0" marR="0" lvl="0" indent="0" algn="r" defTabSz="914400" rtl="0" eaLnBrk="1" fontAlgn="auto" latinLnBrk="0" hangingPunct="1">
+              <a:lnSpc>
+                <a:spcPct val="100000"/>
+              </a:lnSpc>
+              <a:spcBef>
+                <a:spcPts val="0"/>
+              </a:spcBef>
+              <a:spcAft>
+                <a:spcPts val="0"/>
+              </a:spcAft>
+              <a:buClrTx/>
+              <a:buSzTx/>
+              <a:buFontTx/>
+              <a:buNone/>
+              <a:tabLst/>
+              <a:defRPr/>
+            </a:pPr>
+            <a:r>
+              <a:rPr kumimoji="0" lang="en-US" altLang="ko-KR" sz="1050" b="0" i="0" u="none" strike="noStrike" kern="1200" cap="none" spc="0" normalizeH="0" baseline="0" noProof="0" dirty="0">
+                <a:ln>
+                  <a:noFill/>
+                </a:ln>
+                <a:solidFill>
+                  <a:prstClr val="white"/>
+                </a:solidFill>
+                <a:effectLst/>
+                <a:uLnTx/>
+                <a:uFillTx/>
+                <a:latin typeface="맑은 고딕"/>
+                <a:ea typeface="+mn-ea"/>
+                <a:cs typeface="+mn-cs"/>
+              </a:rPr>
+              <a:t>UNLOAD</a:t>
+            </a:r>
+            <a:endParaRPr kumimoji="0" lang="ko-KR" altLang="en-US" sz="1050" b="0" i="0" u="none" strike="noStrike" kern="1200" cap="none" spc="0" normalizeH="0" baseline="0" noProof="0" dirty="0">
+              <a:ln>
+                <a:noFill/>
+              </a:ln>
+              <a:solidFill>
+                <a:prstClr val="white"/>
+              </a:solidFill>
+              <a:effectLst/>
+              <a:uLnTx/>
+              <a:uFillTx/>
+              <a:latin typeface="맑은 고딕"/>
+              <a:ea typeface="+mn-ea"/>
+              <a:cs typeface="+mn-cs"/>
+            </a:endParaRPr>
+          </a:p>
+        </p:txBody>
+      </p:sp>
+      <p:sp>
+        <p:nvSpPr>
+          <p:cNvPr id="6" name="직사각형 5">
+            <a:extLst>
+              <a:ext uri="{FF2B5EF4-FFF2-40B4-BE49-F238E27FC236}">
+                <a16:creationId xmlns:a16="http://schemas.microsoft.com/office/drawing/2014/main" id="{E7DFFB8E-4112-74E9-B8F8-97C8E382DE4E}"/>
+              </a:ext>
+            </a:extLst>
+          </p:cNvPr>
+          <p:cNvSpPr/>
+          <p:nvPr/>
+        </p:nvSpPr>
+        <p:spPr>
+          <a:xfrm>
+            <a:off x="2949534" y="4951190"/>
+            <a:ext cx="909221" cy="502470"/>
+          </a:xfrm>
+          <a:prstGeom prst="rect">
+            <a:avLst/>
+          </a:prstGeom>
+          <a:solidFill>
+            <a:schemeClr val="accent4">
+              <a:alpha val="50000"/>
+            </a:schemeClr>
+          </a:solidFill>
+          <a:ln>
+            <a:noFill/>
+          </a:ln>
+        </p:spPr>
+        <p:style>
+          <a:lnRef idx="0">
+            <a:scrgbClr r="0" g="0" b="0"/>
+          </a:lnRef>
+          <a:fillRef idx="0">
+            <a:scrgbClr r="0" g="0" b="0"/>
+          </a:fillRef>
+          <a:effectRef idx="0">
+            <a:scrgbClr r="0" g="0" b="0"/>
+          </a:effectRef>
+          <a:fontRef idx="minor">
+            <a:schemeClr val="lt1"/>
+          </a:fontRef>
+        </p:style>
+        <p:txBody>
+          <a:bodyPr rtlCol="0" anchor="ctr"/>
+          <a:lstStyle/>
+          <a:p>
+            <a:pPr algn="ctr"/>
+            <a:r>
+              <a:rPr lang="en-US" altLang="ko-KR" sz="1200" dirty="0"/>
+              <a:t>AUTO</a:t>
+            </a:r>
+          </a:p>
+          <a:p>
+            <a:pPr algn="ctr"/>
+            <a:r>
+              <a:rPr lang="en-US" altLang="ko-KR" sz="1200" dirty="0"/>
+              <a:t>CLEAR</a:t>
+            </a:r>
+            <a:endParaRPr lang="ko-KR" altLang="en-US" sz="1200" dirty="0"/>
+          </a:p>
+        </p:txBody>
+      </p:sp>
       <p:cxnSp>
         <p:nvCxnSpPr>
-          <p:cNvPr id="9" name="연결선: 꺾임 8">
+          <p:cNvPr id="7" name="연결선: 꺾임 6">
             <a:extLst>
               <a:ext uri="{FF2B5EF4-FFF2-40B4-BE49-F238E27FC236}">
-                <a16:creationId xmlns:a16="http://schemas.microsoft.com/office/drawing/2014/main" id="{7E8BF1D0-F2EB-90DE-BC4D-F4D670C9D917}"/>
+                <a16:creationId xmlns:a16="http://schemas.microsoft.com/office/drawing/2014/main" id="{889D7C60-9A89-9A5A-0A6F-A8FBF90E3C01}"/>
               </a:ext>
             </a:extLst>
           </p:cNvPr>
           <p:cNvCxnSpPr>
             <a:cxnSpLocks/>
-            <a:stCxn id="4" idx="1"/>
-            <a:endCxn id="76" idx="0"/>
+            <a:stCxn id="5" idx="1"/>
+            <a:endCxn id="6" idx="3"/>
           </p:cNvCxnSpPr>
           <p:nvPr/>
         </p:nvCxnSpPr>
         <p:spPr>
-          <a:xfrm>
-            <a:off x="5533999" y="2754960"/>
-            <a:ext cx="620420" cy="818831"/>
+          <a:xfrm rot="10800000" flipV="1">
+            <a:off x="3858755" y="4960641"/>
+            <a:ext cx="427664" cy="241783"/>
           </a:xfrm>
-          <a:prstGeom prst="bentConnector2">
+          <a:prstGeom prst="bentConnector3">
+            <a:avLst>
+              <a:gd name="adj1" fmla="val 50000"/>
+            </a:avLst>
+          </a:prstGeom>
+          <a:ln w="28575" cap="flat" cmpd="sng" algn="ctr">
+            <a:solidFill>
+              <a:schemeClr val="accent2"/>
+            </a:solidFill>
+            <a:prstDash val="solid"/>
+            <a:round/>
+            <a:headEnd type="diamond" w="med" len="med"/>
+            <a:tailEnd type="triangle" w="med" len="med"/>
+          </a:ln>
+        </p:spPr>
+        <p:style>
+          <a:lnRef idx="0">
+            <a:scrgbClr r="0" g="0" b="0"/>
+          </a:lnRef>
+          <a:fillRef idx="0">
+            <a:scrgbClr r="0" g="0" b="0"/>
+          </a:fillRef>
+          <a:effectRef idx="0">
+            <a:scrgbClr r="0" g="0" b="0"/>
+          </a:effectRef>
+          <a:fontRef idx="minor">
+            <a:schemeClr val="tx1"/>
+          </a:fontRef>
+        </p:style>
+      </p:cxnSp>
+      <p:cxnSp>
+        <p:nvCxnSpPr>
+          <p:cNvPr id="10" name="연결선: 꺾임 9">
+            <a:extLst>
+              <a:ext uri="{FF2B5EF4-FFF2-40B4-BE49-F238E27FC236}">
+                <a16:creationId xmlns:a16="http://schemas.microsoft.com/office/drawing/2014/main" id="{032399A5-5DEA-03E9-79A4-36A9CEFACB14}"/>
+              </a:ext>
+            </a:extLst>
+          </p:cNvPr>
+          <p:cNvCxnSpPr>
+            <a:cxnSpLocks/>
+            <a:stCxn id="5" idx="2"/>
+            <a:endCxn id="6" idx="2"/>
+          </p:cNvCxnSpPr>
+          <p:nvPr/>
+        </p:nvCxnSpPr>
+        <p:spPr>
+          <a:xfrm rot="5400000">
+            <a:off x="4106893" y="4583770"/>
+            <a:ext cx="167143" cy="1572637"/>
+          </a:xfrm>
+          <a:prstGeom prst="bentConnector3">
+            <a:avLst>
+              <a:gd name="adj1" fmla="val 236769"/>
+            </a:avLst>
+          </a:prstGeom>
+          <a:ln w="25400">
+            <a:prstDash val="dash"/>
+            <a:headEnd w="lg" len="lg"/>
+            <a:tailEnd type="triangle" w="lg" len="lg"/>
+          </a:ln>
+        </p:spPr>
+        <p:style>
+          <a:lnRef idx="1">
+            <a:schemeClr val="accent1"/>
+          </a:lnRef>
+          <a:fillRef idx="0">
+            <a:schemeClr val="accent1"/>
+          </a:fillRef>
+          <a:effectRef idx="0">
+            <a:schemeClr val="accent1"/>
+          </a:effectRef>
+          <a:fontRef idx="minor">
+            <a:schemeClr val="tx1"/>
+          </a:fontRef>
+        </p:style>
+      </p:cxnSp>
+      <p:sp>
+        <p:nvSpPr>
+          <p:cNvPr id="11" name="화살표: 오각형 10">
+            <a:extLst>
+              <a:ext uri="{FF2B5EF4-FFF2-40B4-BE49-F238E27FC236}">
+                <a16:creationId xmlns:a16="http://schemas.microsoft.com/office/drawing/2014/main" id="{8D314B48-6003-D534-7BA7-FFB48BA5BA67}"/>
+              </a:ext>
+            </a:extLst>
+          </p:cNvPr>
+          <p:cNvSpPr/>
+          <p:nvPr/>
+        </p:nvSpPr>
+        <p:spPr>
+          <a:xfrm flipH="1">
+            <a:off x="284017" y="3677641"/>
+            <a:ext cx="1561671" cy="690024"/>
+          </a:xfrm>
+          <a:prstGeom prst="homePlate">
             <a:avLst/>
+          </a:prstGeom>
+          <a:solidFill>
+            <a:schemeClr val="accent2">
+              <a:alpha val="50000"/>
+            </a:schemeClr>
+          </a:solidFill>
+          <a:ln>
+            <a:noFill/>
+          </a:ln>
+        </p:spPr>
+        <p:style>
+          <a:lnRef idx="0">
+            <a:scrgbClr r="0" g="0" b="0"/>
+          </a:lnRef>
+          <a:fillRef idx="0">
+            <a:scrgbClr r="0" g="0" b="0"/>
+          </a:fillRef>
+          <a:effectRef idx="0">
+            <a:scrgbClr r="0" g="0" b="0"/>
+          </a:effectRef>
+          <a:fontRef idx="minor">
+            <a:schemeClr val="lt1"/>
+          </a:fontRef>
+        </p:style>
+        <p:txBody>
+          <a:bodyPr vert="horz" wrap="none" lIns="91440" tIns="45720" rIns="91440" bIns="45720" numCol="1" rtlCol="0" anchor="ctr" anchorCtr="0" compatLnSpc="1">
+            <a:prstTxWarp prst="textNoShape">
+              <a:avLst/>
+            </a:prstTxWarp>
+          </a:bodyPr>
+          <a:lstStyle>
+            <a:defPPr>
+              <a:defRPr lang="ko-KR"/>
+            </a:defPPr>
+            <a:lvl1pPr marL="0" algn="l" defTabSz="914400" rtl="0" eaLnBrk="1" latinLnBrk="1" hangingPunct="1">
+              <a:defRPr sz="1800" kern="1200">
+                <a:solidFill>
+                  <a:schemeClr val="lt1"/>
+                </a:solidFill>
+                <a:latin typeface="+mn-lt"/>
+                <a:ea typeface="+mn-ea"/>
+                <a:cs typeface="+mn-cs"/>
+              </a:defRPr>
+            </a:lvl1pPr>
+            <a:lvl2pPr marL="457200" algn="l" defTabSz="914400" rtl="0" eaLnBrk="1" latinLnBrk="1" hangingPunct="1">
+              <a:defRPr sz="1800" kern="1200">
+                <a:solidFill>
+                  <a:schemeClr val="lt1"/>
+                </a:solidFill>
+                <a:latin typeface="+mn-lt"/>
+                <a:ea typeface="+mn-ea"/>
+                <a:cs typeface="+mn-cs"/>
+              </a:defRPr>
+            </a:lvl2pPr>
+            <a:lvl3pPr marL="914400" algn="l" defTabSz="914400" rtl="0" eaLnBrk="1" latinLnBrk="1" hangingPunct="1">
+              <a:defRPr sz="1800" kern="1200">
+                <a:solidFill>
+                  <a:schemeClr val="lt1"/>
+                </a:solidFill>
+                <a:latin typeface="+mn-lt"/>
+                <a:ea typeface="+mn-ea"/>
+                <a:cs typeface="+mn-cs"/>
+              </a:defRPr>
+            </a:lvl3pPr>
+            <a:lvl4pPr marL="1371600" algn="l" defTabSz="914400" rtl="0" eaLnBrk="1" latinLnBrk="1" hangingPunct="1">
+              <a:defRPr sz="1800" kern="1200">
+                <a:solidFill>
+                  <a:schemeClr val="lt1"/>
+                </a:solidFill>
+                <a:latin typeface="+mn-lt"/>
+                <a:ea typeface="+mn-ea"/>
+                <a:cs typeface="+mn-cs"/>
+              </a:defRPr>
+            </a:lvl4pPr>
+            <a:lvl5pPr marL="1828800" algn="l" defTabSz="914400" rtl="0" eaLnBrk="1" latinLnBrk="1" hangingPunct="1">
+              <a:defRPr sz="1800" kern="1200">
+                <a:solidFill>
+                  <a:schemeClr val="lt1"/>
+                </a:solidFill>
+                <a:latin typeface="+mn-lt"/>
+                <a:ea typeface="+mn-ea"/>
+                <a:cs typeface="+mn-cs"/>
+              </a:defRPr>
+            </a:lvl5pPr>
+            <a:lvl6pPr marL="2286000" algn="l" defTabSz="914400" rtl="0" eaLnBrk="1" latinLnBrk="1" hangingPunct="1">
+              <a:defRPr sz="1800" kern="1200">
+                <a:solidFill>
+                  <a:schemeClr val="lt1"/>
+                </a:solidFill>
+                <a:latin typeface="+mn-lt"/>
+                <a:ea typeface="+mn-ea"/>
+                <a:cs typeface="+mn-cs"/>
+              </a:defRPr>
+            </a:lvl6pPr>
+            <a:lvl7pPr marL="2743200" algn="l" defTabSz="914400" rtl="0" eaLnBrk="1" latinLnBrk="1" hangingPunct="1">
+              <a:defRPr sz="1800" kern="1200">
+                <a:solidFill>
+                  <a:schemeClr val="lt1"/>
+                </a:solidFill>
+                <a:latin typeface="+mn-lt"/>
+                <a:ea typeface="+mn-ea"/>
+                <a:cs typeface="+mn-cs"/>
+              </a:defRPr>
+            </a:lvl7pPr>
+            <a:lvl8pPr marL="3200400" algn="l" defTabSz="914400" rtl="0" eaLnBrk="1" latinLnBrk="1" hangingPunct="1">
+              <a:defRPr sz="1800" kern="1200">
+                <a:solidFill>
+                  <a:schemeClr val="lt1"/>
+                </a:solidFill>
+                <a:latin typeface="+mn-lt"/>
+                <a:ea typeface="+mn-ea"/>
+                <a:cs typeface="+mn-cs"/>
+              </a:defRPr>
+            </a:lvl8pPr>
+            <a:lvl9pPr marL="3657600" algn="l" defTabSz="914400" rtl="0" eaLnBrk="1" latinLnBrk="1" hangingPunct="1">
+              <a:defRPr sz="1800" kern="1200">
+                <a:solidFill>
+                  <a:schemeClr val="lt1"/>
+                </a:solidFill>
+                <a:latin typeface="+mn-lt"/>
+                <a:ea typeface="+mn-ea"/>
+                <a:cs typeface="+mn-cs"/>
+              </a:defRPr>
+            </a:lvl9pPr>
+          </a:lstStyle>
+          <a:p>
+            <a:pPr algn="ctr"/>
+            <a:r>
+              <a:rPr lang="en-US" altLang="ko-KR" sz="1100" dirty="0">
+                <a:solidFill>
+                  <a:prstClr val="white"/>
+                </a:solidFill>
+                <a:latin typeface="맑은 고딕"/>
+              </a:rPr>
+              <a:t>UNLOAD</a:t>
+            </a:r>
+            <a:endParaRPr lang="en-US" altLang="ko-KR" sz="1100" dirty="0">
+              <a:ea typeface="현대하모니 M" panose="02020603020101020101"/>
+            </a:endParaRPr>
+          </a:p>
+          <a:p>
+            <a:pPr algn="ctr"/>
+            <a:r>
+              <a:rPr lang="en-US" altLang="ko-KR" sz="1100" dirty="0">
+                <a:ea typeface="현대하모니 M" panose="02020603020101020101"/>
+              </a:rPr>
+              <a:t>[ </a:t>
+            </a:r>
+            <a:r>
+              <a:rPr lang="en-US" altLang="ko-KR" sz="1100" dirty="0">
+                <a:solidFill>
+                  <a:prstClr val="white"/>
+                </a:solidFill>
+                <a:latin typeface="맑은 고딕"/>
+              </a:rPr>
+              <a:t>UNLOAD </a:t>
+            </a:r>
+            <a:r>
+              <a:rPr lang="en-US" altLang="ko-KR" sz="1100" dirty="0">
+                <a:ea typeface="현대하모니 M" panose="02020603020101020101"/>
+              </a:rPr>
+              <a:t>~</a:t>
+            </a:r>
+            <a:r>
+              <a:rPr lang="en-US" altLang="ko-KR" sz="1100" dirty="0">
+                <a:solidFill>
+                  <a:prstClr val="white"/>
+                </a:solidFill>
+                <a:latin typeface="맑은 고딕"/>
+              </a:rPr>
+              <a:t> </a:t>
+            </a:r>
+          </a:p>
+          <a:p>
+            <a:pPr algn="ctr"/>
+            <a:r>
+              <a:rPr lang="en-US" altLang="ko-KR" sz="1100">
+                <a:solidFill>
+                  <a:prstClr val="white"/>
+                </a:solidFill>
+                <a:latin typeface="맑은 고딕"/>
+              </a:rPr>
+              <a:t>UNLOAD</a:t>
+            </a:r>
+            <a:r>
+              <a:rPr lang="en-US" altLang="ko-KR" sz="1100"/>
+              <a:t> </a:t>
+            </a:r>
+            <a:r>
+              <a:rPr lang="en-US" altLang="ko-KR" sz="1100" dirty="0">
+                <a:ea typeface="현대하모니 M" panose="02020603020101020101"/>
+              </a:rPr>
+              <a:t>]</a:t>
+            </a:r>
+            <a:endParaRPr lang="ko-KR" altLang="en-US" sz="1100" dirty="0">
+              <a:ea typeface="현대하모니 M" panose="02020603020101020101"/>
+            </a:endParaRPr>
+          </a:p>
+        </p:txBody>
+      </p:sp>
+      <p:cxnSp>
+        <p:nvCxnSpPr>
+          <p:cNvPr id="12" name="연결선: 꺾임 11">
+            <a:extLst>
+              <a:ext uri="{FF2B5EF4-FFF2-40B4-BE49-F238E27FC236}">
+                <a16:creationId xmlns:a16="http://schemas.microsoft.com/office/drawing/2014/main" id="{A7DAF481-C23A-5957-185B-EE265F03CC64}"/>
+              </a:ext>
+            </a:extLst>
+          </p:cNvPr>
+          <p:cNvCxnSpPr>
+            <a:cxnSpLocks/>
+            <a:stCxn id="5" idx="0"/>
+            <a:endCxn id="76" idx="2"/>
+          </p:cNvCxnSpPr>
+          <p:nvPr/>
+        </p:nvCxnSpPr>
+        <p:spPr>
+          <a:xfrm rot="5400000" flipH="1" flipV="1">
+            <a:off x="5299736" y="3780085"/>
+            <a:ext cx="531728" cy="1177637"/>
+          </a:xfrm>
+          <a:prstGeom prst="bentConnector3">
+            <a:avLst>
+              <a:gd name="adj1" fmla="val 50000"/>
+            </a:avLst>
           </a:prstGeom>
           <a:ln w="25400">
             <a:prstDash val="dash"/>

--- a/DsDotNet/src/UnitTest/UnitTest.Model/ImportOfficeExample/Sample/Sub/PaintShop.pptx
+++ b/DsDotNet/src/UnitTest/UnitTest.Model/ImportOfficeExample/Sample/Sub/PaintShop.pptx
@@ -216,7 +216,7 @@
           <a:p>
             <a:fld id="{DD503887-5801-43A0-AEF9-041E8DDC2558}" type="datetimeFigureOut">
               <a:rPr lang="ko-KR" altLang="en-US" smtClean="0"/>
-              <a:t>2024-05-29</a:t>
+              <a:t>2024-07-13</a:t>
             </a:fld>
             <a:endParaRPr lang="ko-KR" altLang="en-US"/>
           </a:p>
@@ -393,7 +393,7 @@
           <a:p>
             <a:fld id="{95336A0E-57B1-4D4C-BD9B-2F72B5943464}" type="datetimeFigureOut">
               <a:rPr lang="ko-KR" altLang="en-US" smtClean="0"/>
-              <a:t>2024-05-29</a:t>
+              <a:t>2024-07-13</a:t>
             </a:fld>
             <a:endParaRPr lang="ko-KR" altLang="en-US"/>
           </a:p>
@@ -2860,14 +2860,11 @@
           <a:p>
             <a:pPr algn="ctr"/>
             <a:r>
-              <a:rPr lang="en-US" altLang="ko-KR" sz="1200">
+              <a:rPr lang="en-US" altLang="ko-KR" sz="1200" dirty="0">
                 <a:ea typeface="현대하모니 M" panose="02020603020101020101"/>
               </a:rPr>
               <a:t>START</a:t>
             </a:r>
-            <a:endParaRPr lang="en-US" altLang="ko-KR" sz="1200" dirty="0">
-              <a:ea typeface="현대하모니 M" panose="02020603020101020101"/>
-            </a:endParaRPr>
           </a:p>
           <a:p>
             <a:pPr algn="ctr"/>
@@ -2905,7 +2902,7 @@
               <a:rPr lang="en-US" altLang="ko-KR" sz="1200" dirty="0">
                 <a:ea typeface="현대하모니 M" panose="02020603020101020101"/>
               </a:rPr>
-              <a:t>end]</a:t>
+              <a:t>start]</a:t>
             </a:r>
             <a:endParaRPr lang="ko-KR" altLang="en-US" sz="1200" dirty="0">
               <a:ea typeface="현대하모니 M" panose="02020603020101020101"/>
@@ -2927,7 +2924,7 @@
         </p:nvSpPr>
         <p:spPr>
           <a:xfrm flipH="1">
-            <a:off x="4419566" y="2490336"/>
+            <a:off x="5597202" y="2225712"/>
             <a:ext cx="1114433" cy="529248"/>
           </a:xfrm>
           <a:prstGeom prst="rect">
@@ -2989,8 +2986,8 @@
         </p:nvCxnSpPr>
         <p:spPr>
           <a:xfrm rot="16200000" flipH="1">
-            <a:off x="5288497" y="2707868"/>
-            <a:ext cx="554207" cy="1177637"/>
+            <a:off x="5745003" y="3164374"/>
+            <a:ext cx="818831" cy="1"/>
           </a:xfrm>
           <a:prstGeom prst="bentConnector3">
             <a:avLst>
@@ -3020,10 +3017,10 @@
       </p:cxnSp>
       <p:sp>
         <p:nvSpPr>
-          <p:cNvPr id="5" name="직사각형 4">
+          <p:cNvPr id="6" name="직사각형 5">
             <a:extLst>
               <a:ext uri="{FF2B5EF4-FFF2-40B4-BE49-F238E27FC236}">
-                <a16:creationId xmlns:a16="http://schemas.microsoft.com/office/drawing/2014/main" id="{423B0C68-0626-7AD3-5988-5B65799A39C7}"/>
+                <a16:creationId xmlns:a16="http://schemas.microsoft.com/office/drawing/2014/main" id="{9CD5572F-B367-0E15-BBBB-44EC8AC0321F}"/>
               </a:ext>
             </a:extLst>
           </p:cNvPr>
@@ -3032,8 +3029,8 @@
         </p:nvSpPr>
         <p:spPr>
           <a:xfrm>
-            <a:off x="4286419" y="4634767"/>
-            <a:ext cx="1380726" cy="651750"/>
+            <a:off x="5597203" y="5153314"/>
+            <a:ext cx="1113038" cy="320406"/>
           </a:xfrm>
           <a:prstGeom prst="rect">
             <a:avLst/>
@@ -3085,23 +3082,15 @@
               <a:defRPr/>
             </a:pPr>
             <a:r>
-              <a:rPr kumimoji="0" lang="en-US" altLang="ko-KR" sz="1050" b="0" i="0" u="none" strike="noStrike" kern="1200" cap="none" spc="0" normalizeH="0" baseline="0" noProof="0" dirty="0">
-                <a:ln>
-                  <a:noFill/>
-                </a:ln>
+              <a:rPr lang="en-US" altLang="ko-KR" sz="1000" dirty="0">
                 <a:solidFill>
                   <a:prstClr val="white"/>
                 </a:solidFill>
-                <a:effectLst/>
-                <a:uLnTx/>
-                <a:uFillTx/>
                 <a:latin typeface="맑은 고딕"/>
-                <a:ea typeface="+mn-ea"/>
-                <a:cs typeface="+mn-cs"/>
               </a:rPr>
-              <a:t>UNLOAD</a:t>
-            </a:r>
-            <a:endParaRPr kumimoji="0" lang="ko-KR" altLang="en-US" sz="1050" b="0" i="0" u="none" strike="noStrike" kern="1200" cap="none" spc="0" normalizeH="0" baseline="0" noProof="0" dirty="0">
+              <a:t>UnloadClear</a:t>
+            </a:r>
+            <a:endParaRPr kumimoji="0" lang="ko-KR" altLang="en-US" sz="1000" b="0" i="0" u="none" strike="noStrike" kern="1200" cap="none" spc="0" normalizeH="0" baseline="0" noProof="0" dirty="0">
               <a:ln>
                 <a:noFill/>
               </a:ln>
@@ -3120,10 +3109,10 @@
       </p:sp>
       <p:sp>
         <p:nvSpPr>
-          <p:cNvPr id="6" name="직사각형 5">
+          <p:cNvPr id="7" name="직사각형 6">
             <a:extLst>
               <a:ext uri="{FF2B5EF4-FFF2-40B4-BE49-F238E27FC236}">
-                <a16:creationId xmlns:a16="http://schemas.microsoft.com/office/drawing/2014/main" id="{E7DFFB8E-4112-74E9-B8F8-97C8E382DE4E}"/>
+                <a16:creationId xmlns:a16="http://schemas.microsoft.com/office/drawing/2014/main" id="{FE5616AF-98B5-5997-BF6A-EEC2CE3AE7CB}"/>
               </a:ext>
             </a:extLst>
           </p:cNvPr>
@@ -3132,19 +3121,21 @@
         </p:nvSpPr>
         <p:spPr>
           <a:xfrm>
-            <a:off x="2949534" y="4951190"/>
-            <a:ext cx="909221" cy="502470"/>
+            <a:off x="5597203" y="5153314"/>
+            <a:ext cx="1113038" cy="320406"/>
           </a:xfrm>
           <a:prstGeom prst="rect">
             <a:avLst/>
           </a:prstGeom>
-          <a:solidFill>
-            <a:schemeClr val="accent4">
-              <a:alpha val="50000"/>
-            </a:schemeClr>
-          </a:solidFill>
-          <a:ln>
-            <a:noFill/>
+          <a:noFill/>
+          <a:ln w="28575" cap="flat" cmpd="sng" algn="ctr">
+            <a:solidFill>
+              <a:schemeClr val="accent4"/>
+            </a:solidFill>
+            <a:prstDash val="solid"/>
+            <a:round/>
+            <a:headEnd type="none" w="med" len="med"/>
+            <a:tailEnd type="none" w="med" len="med"/>
           </a:ln>
         </p:spPr>
         <p:style>
@@ -3158,110 +3149,84 @@
             <a:scrgbClr r="0" g="0" b="0"/>
           </a:effectRef>
           <a:fontRef idx="minor">
-            <a:schemeClr val="lt1"/>
+            <a:schemeClr val="accent4"/>
           </a:fontRef>
         </p:style>
         <p:txBody>
-          <a:bodyPr rtlCol="0" anchor="ctr"/>
+          <a:bodyPr rtlCol="0" anchor="b"/>
           <a:lstStyle/>
           <a:p>
-            <a:pPr algn="ctr"/>
-            <a:r>
-              <a:rPr lang="en-US" altLang="ko-KR" sz="1200" dirty="0"/>
-              <a:t>AUTO</a:t>
-            </a:r>
-          </a:p>
-          <a:p>
-            <a:pPr algn="ctr"/>
-            <a:r>
-              <a:rPr lang="en-US" altLang="ko-KR" sz="1200" dirty="0"/>
-              <a:t>CLEAR</a:t>
-            </a:r>
-            <a:endParaRPr lang="ko-KR" altLang="en-US" sz="1200" dirty="0"/>
+            <a:pPr marL="0" marR="0" lvl="0" indent="0" algn="r" defTabSz="914400" rtl="0" eaLnBrk="1" fontAlgn="auto" latinLnBrk="0" hangingPunct="1">
+              <a:lnSpc>
+                <a:spcPct val="100000"/>
+              </a:lnSpc>
+              <a:spcBef>
+                <a:spcPts val="0"/>
+              </a:spcBef>
+              <a:spcAft>
+                <a:spcPts val="0"/>
+              </a:spcAft>
+              <a:buClrTx/>
+              <a:buSzTx/>
+              <a:buFontTx/>
+              <a:buNone/>
+              <a:tabLst/>
+              <a:defRPr/>
+            </a:pPr>
+            <a:r>
+              <a:rPr lang="en-US" altLang="ko-KR" sz="1000" dirty="0">
+                <a:solidFill>
+                  <a:prstClr val="white"/>
+                </a:solidFill>
+                <a:latin typeface="맑은 고딕"/>
+              </a:rPr>
+              <a:t>UnloadClear</a:t>
+            </a:r>
+            <a:endParaRPr kumimoji="0" lang="ko-KR" altLang="en-US" sz="1000" b="0" i="0" u="none" strike="noStrike" kern="1200" cap="none" spc="0" normalizeH="0" baseline="0" noProof="0" dirty="0">
+              <a:ln>
+                <a:noFill/>
+              </a:ln>
+              <a:solidFill>
+                <a:prstClr val="white"/>
+              </a:solidFill>
+              <a:effectLst/>
+              <a:uLnTx/>
+              <a:uFillTx/>
+              <a:latin typeface="맑은 고딕"/>
+              <a:ea typeface="+mn-ea"/>
+              <a:cs typeface="+mn-cs"/>
+            </a:endParaRPr>
           </a:p>
         </p:txBody>
       </p:sp>
       <p:cxnSp>
         <p:nvCxnSpPr>
-          <p:cNvPr id="7" name="연결선: 꺾임 6">
+          <p:cNvPr id="9" name="직선 화살표 연결선 8">
             <a:extLst>
               <a:ext uri="{FF2B5EF4-FFF2-40B4-BE49-F238E27FC236}">
-                <a16:creationId xmlns:a16="http://schemas.microsoft.com/office/drawing/2014/main" id="{889D7C60-9A89-9A5A-0A6F-A8FBF90E3C01}"/>
+                <a16:creationId xmlns:a16="http://schemas.microsoft.com/office/drawing/2014/main" id="{AB01CB67-20EB-1FAA-8C2E-19CE92AE1449}"/>
               </a:ext>
             </a:extLst>
           </p:cNvPr>
           <p:cNvCxnSpPr>
             <a:cxnSpLocks/>
-            <a:stCxn id="5" idx="1"/>
-            <a:endCxn id="6" idx="3"/>
+            <a:stCxn id="76" idx="2"/>
+            <a:endCxn id="7" idx="0"/>
           </p:cNvCxnSpPr>
           <p:nvPr/>
         </p:nvCxnSpPr>
         <p:spPr>
-          <a:xfrm rot="10800000" flipV="1">
-            <a:off x="3858755" y="4960641"/>
-            <a:ext cx="427664" cy="241783"/>
+          <a:xfrm flipH="1">
+            <a:off x="6153722" y="4103039"/>
+            <a:ext cx="697" cy="1050275"/>
           </a:xfrm>
-          <a:prstGeom prst="bentConnector3">
-            <a:avLst>
-              <a:gd name="adj1" fmla="val 50000"/>
-            </a:avLst>
-          </a:prstGeom>
-          <a:ln w="28575" cap="flat" cmpd="sng" algn="ctr">
-            <a:solidFill>
-              <a:schemeClr val="accent2"/>
-            </a:solidFill>
-            <a:prstDash val="solid"/>
-            <a:round/>
-            <a:headEnd type="diamond" w="med" len="med"/>
-            <a:tailEnd type="triangle" w="med" len="med"/>
-          </a:ln>
-        </p:spPr>
-        <p:style>
-          <a:lnRef idx="0">
-            <a:scrgbClr r="0" g="0" b="0"/>
-          </a:lnRef>
-          <a:fillRef idx="0">
-            <a:scrgbClr r="0" g="0" b="0"/>
-          </a:fillRef>
-          <a:effectRef idx="0">
-            <a:scrgbClr r="0" g="0" b="0"/>
-          </a:effectRef>
-          <a:fontRef idx="minor">
-            <a:schemeClr val="tx1"/>
-          </a:fontRef>
-        </p:style>
-      </p:cxnSp>
-      <p:cxnSp>
-        <p:nvCxnSpPr>
-          <p:cNvPr id="10" name="연결선: 꺾임 9">
-            <a:extLst>
-              <a:ext uri="{FF2B5EF4-FFF2-40B4-BE49-F238E27FC236}">
-                <a16:creationId xmlns:a16="http://schemas.microsoft.com/office/drawing/2014/main" id="{032399A5-5DEA-03E9-79A4-36A9CEFACB14}"/>
-              </a:ext>
-            </a:extLst>
-          </p:cNvPr>
-          <p:cNvCxnSpPr>
-            <a:cxnSpLocks/>
-            <a:stCxn id="5" idx="2"/>
-            <a:endCxn id="6" idx="2"/>
-          </p:cNvCxnSpPr>
-          <p:nvPr/>
-        </p:nvCxnSpPr>
-        <p:spPr>
-          <a:xfrm rot="5400000">
-            <a:off x="4106893" y="4583770"/>
-            <a:ext cx="167143" cy="1572637"/>
-          </a:xfrm>
-          <a:prstGeom prst="bentConnector3">
-            <a:avLst>
-              <a:gd name="adj1" fmla="val 236769"/>
-            </a:avLst>
+          <a:prstGeom prst="straightConnector1">
+            <a:avLst/>
           </a:prstGeom>
           <a:ln w="25400">
             <a:prstDash val="dash"/>
-            <a:headEnd w="lg" len="lg"/>
-            <a:tailEnd type="triangle" w="lg" len="lg"/>
+            <a:headEnd type="triangle" w="lg" len="lg"/>
+            <a:tailEnd type="none" w="lg" len="lg"/>
           </a:ln>
         </p:spPr>
         <p:style>
@@ -3281,10 +3246,149 @@
       </p:cxnSp>
       <p:sp>
         <p:nvSpPr>
-          <p:cNvPr id="11" name="화살표: 오각형 10">
+          <p:cNvPr id="10" name="직사각형 9">
             <a:extLst>
               <a:ext uri="{FF2B5EF4-FFF2-40B4-BE49-F238E27FC236}">
-                <a16:creationId xmlns:a16="http://schemas.microsoft.com/office/drawing/2014/main" id="{8D314B48-6003-D534-7BA7-FFB48BA5BA67}"/>
+                <a16:creationId xmlns:a16="http://schemas.microsoft.com/office/drawing/2014/main" id="{0D9DA169-9E7F-16FB-EF0C-01CDAE7F9B7E}"/>
+              </a:ext>
+            </a:extLst>
+          </p:cNvPr>
+          <p:cNvSpPr/>
+          <p:nvPr/>
+        </p:nvSpPr>
+        <p:spPr>
+          <a:xfrm>
+            <a:off x="5597202" y="5781266"/>
+            <a:ext cx="1113038" cy="320406"/>
+          </a:xfrm>
+          <a:prstGeom prst="rect">
+            <a:avLst/>
+          </a:prstGeom>
+          <a:noFill/>
+          <a:ln w="28575" cap="flat" cmpd="sng" algn="ctr">
+            <a:solidFill>
+              <a:schemeClr val="accent4"/>
+            </a:solidFill>
+            <a:prstDash val="solid"/>
+            <a:round/>
+            <a:headEnd type="none" w="med" len="med"/>
+            <a:tailEnd type="none" w="med" len="med"/>
+          </a:ln>
+        </p:spPr>
+        <p:style>
+          <a:lnRef idx="0">
+            <a:scrgbClr r="0" g="0" b="0"/>
+          </a:lnRef>
+          <a:fillRef idx="0">
+            <a:scrgbClr r="0" g="0" b="0"/>
+          </a:fillRef>
+          <a:effectRef idx="0">
+            <a:scrgbClr r="0" g="0" b="0"/>
+          </a:effectRef>
+          <a:fontRef idx="minor">
+            <a:schemeClr val="accent4"/>
+          </a:fontRef>
+        </p:style>
+        <p:txBody>
+          <a:bodyPr rtlCol="0" anchor="b"/>
+          <a:lstStyle/>
+          <a:p>
+            <a:pPr marL="0" marR="0" lvl="0" indent="0" algn="r" defTabSz="914400" rtl="0" eaLnBrk="1" fontAlgn="auto" latinLnBrk="0" hangingPunct="1">
+              <a:lnSpc>
+                <a:spcPct val="100000"/>
+              </a:lnSpc>
+              <a:spcBef>
+                <a:spcPts val="0"/>
+              </a:spcBef>
+              <a:spcAft>
+                <a:spcPts val="0"/>
+              </a:spcAft>
+              <a:buClrTx/>
+              <a:buSzTx/>
+              <a:buFontTx/>
+              <a:buNone/>
+              <a:tabLst/>
+              <a:defRPr/>
+            </a:pPr>
+            <a:r>
+              <a:rPr lang="en-US" altLang="ko-KR" sz="1000" dirty="0">
+                <a:solidFill>
+                  <a:prstClr val="white"/>
+                </a:solidFill>
+                <a:latin typeface="맑은 고딕"/>
+              </a:rPr>
+              <a:t>Clear</a:t>
+            </a:r>
+            <a:endParaRPr kumimoji="0" lang="ko-KR" altLang="en-US" sz="1000" b="0" i="0" u="none" strike="noStrike" kern="1200" cap="none" spc="0" normalizeH="0" baseline="0" noProof="0" dirty="0">
+              <a:ln>
+                <a:noFill/>
+              </a:ln>
+              <a:solidFill>
+                <a:prstClr val="white"/>
+              </a:solidFill>
+              <a:effectLst/>
+              <a:uLnTx/>
+              <a:uFillTx/>
+              <a:latin typeface="맑은 고딕"/>
+              <a:ea typeface="+mn-ea"/>
+              <a:cs typeface="+mn-cs"/>
+            </a:endParaRPr>
+          </a:p>
+        </p:txBody>
+      </p:sp>
+      <p:cxnSp>
+        <p:nvCxnSpPr>
+          <p:cNvPr id="11" name="연결선: 꺾임 10">
+            <a:extLst>
+              <a:ext uri="{FF2B5EF4-FFF2-40B4-BE49-F238E27FC236}">
+                <a16:creationId xmlns:a16="http://schemas.microsoft.com/office/drawing/2014/main" id="{85ED218B-6E36-AE7C-BD95-80C423A303C8}"/>
+              </a:ext>
+            </a:extLst>
+          </p:cNvPr>
+          <p:cNvCxnSpPr>
+            <a:cxnSpLocks/>
+            <a:stCxn id="10" idx="0"/>
+            <a:endCxn id="7" idx="2"/>
+          </p:cNvCxnSpPr>
+          <p:nvPr/>
+        </p:nvCxnSpPr>
+        <p:spPr>
+          <a:xfrm rot="5400000" flipH="1" flipV="1">
+            <a:off x="5999948" y="5627493"/>
+            <a:ext cx="307546" cy="1"/>
+          </a:xfrm>
+          <a:prstGeom prst="bentConnector3">
+            <a:avLst>
+              <a:gd name="adj1" fmla="val 50000"/>
+            </a:avLst>
+          </a:prstGeom>
+          <a:ln w="25400">
+            <a:prstDash val="dash"/>
+            <a:headEnd type="triangle" w="lg" len="lg"/>
+            <a:tailEnd type="diamond" w="lg" len="lg"/>
+          </a:ln>
+        </p:spPr>
+        <p:style>
+          <a:lnRef idx="1">
+            <a:schemeClr val="accent1"/>
+          </a:lnRef>
+          <a:fillRef idx="0">
+            <a:schemeClr val="accent1"/>
+          </a:fillRef>
+          <a:effectRef idx="0">
+            <a:schemeClr val="accent1"/>
+          </a:effectRef>
+          <a:fontRef idx="minor">
+            <a:schemeClr val="tx1"/>
+          </a:fontRef>
+        </p:style>
+      </p:cxnSp>
+      <p:sp>
+        <p:nvSpPr>
+          <p:cNvPr id="14" name="화살표: 오각형 13">
+            <a:extLst>
+              <a:ext uri="{FF2B5EF4-FFF2-40B4-BE49-F238E27FC236}">
+                <a16:creationId xmlns:a16="http://schemas.microsoft.com/office/drawing/2014/main" id="{2C9BC7BC-1086-BBAA-EC3A-31C9C487CC7D}"/>
               </a:ext>
             </a:extLst>
           </p:cNvPr>
@@ -3293,7 +3397,7 @@
         </p:nvSpPr>
         <p:spPr>
           <a:xfrm flipH="1">
-            <a:off x="284017" y="3677641"/>
+            <a:off x="284017" y="3612799"/>
             <a:ext cx="1561671" cy="690024"/>
           </a:xfrm>
           <a:prstGeom prst="homePlate">
@@ -3426,7 +3530,7 @@
           <a:p>
             <a:pPr algn="ctr"/>
             <a:r>
-              <a:rPr lang="en-US" altLang="ko-KR" sz="1100" dirty="0">
+              <a:rPr lang="en-US" altLang="ko-KR" sz="1200" dirty="0">
                 <a:solidFill>
                   <a:prstClr val="white"/>
                 </a:solidFill>
@@ -3434,35 +3538,46 @@
               </a:rPr>
               <a:t>UNLOAD</a:t>
             </a:r>
-            <a:endParaRPr lang="en-US" altLang="ko-KR" sz="1100" dirty="0">
+            <a:endParaRPr lang="en-US" altLang="ko-KR" sz="1200" dirty="0">
               <a:ea typeface="현대하모니 M" panose="02020603020101020101"/>
             </a:endParaRPr>
           </a:p>
           <a:p>
             <a:pPr algn="ctr"/>
             <a:r>
-              <a:rPr lang="en-US" altLang="ko-KR" sz="1100" dirty="0">
+              <a:rPr lang="en-US" altLang="ko-KR" sz="1200" dirty="0">
                 <a:ea typeface="현대하모니 M" panose="02020603020101020101"/>
               </a:rPr>
-              <a:t>[ </a:t>
-            </a:r>
-            <a:r>
-              <a:rPr lang="en-US" altLang="ko-KR" sz="1100" dirty="0">
+              <a:t>[</a:t>
+            </a:r>
+            <a:r>
+              <a:rPr lang="en-US" altLang="ko-KR" sz="1200" dirty="0">
                 <a:solidFill>
                   <a:prstClr val="white"/>
                 </a:solidFill>
                 <a:latin typeface="맑은 고딕"/>
               </a:rPr>
-              <a:t>UNLOAD </a:t>
-            </a:r>
-            <a:r>
-              <a:rPr lang="en-US" altLang="ko-KR" sz="1100" dirty="0">
-                <a:ea typeface="현대하모니 M" panose="02020603020101020101"/>
-              </a:rPr>
-              <a:t>~</a:t>
-            </a:r>
-            <a:r>
-              <a:rPr lang="en-US" altLang="ko-KR" sz="1100" dirty="0">
+              <a:t>UnloadClear</a:t>
+            </a:r>
+            <a:endParaRPr kumimoji="0" lang="ko-KR" altLang="en-US" sz="1200" b="0" i="0" u="none" strike="noStrike" kern="1200" cap="none" spc="0" normalizeH="0" baseline="0" noProof="0" dirty="0">
+              <a:ln>
+                <a:noFill/>
+              </a:ln>
+              <a:solidFill>
+                <a:prstClr val="white"/>
+              </a:solidFill>
+              <a:effectLst/>
+              <a:uLnTx/>
+              <a:uFillTx/>
+              <a:latin typeface="맑은 고딕"/>
+              <a:ea typeface="+mn-ea"/>
+              <a:cs typeface="+mn-cs"/>
+            </a:endParaRPr>
+          </a:p>
+          <a:p>
+            <a:pPr algn="ctr"/>
+            <a:r>
+              <a:rPr lang="en-US" altLang="ko-KR" sz="1200" dirty="0">
                 <a:solidFill>
                   <a:prstClr val="white"/>
                 </a:solidFill>
@@ -3470,81 +3585,33 @@
               </a:rPr>
               <a:t> </a:t>
             </a:r>
-          </a:p>
-          <a:p>
-            <a:pPr algn="ctr"/>
-            <a:r>
-              <a:rPr lang="en-US" altLang="ko-KR" sz="1100">
+            <a:r>
+              <a:rPr lang="en-US" altLang="ko-KR" sz="1200" dirty="0">
+                <a:ea typeface="현대하모니 M" panose="02020603020101020101"/>
+              </a:rPr>
+              <a:t>~</a:t>
+            </a:r>
+            <a:r>
+              <a:rPr lang="en-US" altLang="ko-KR" sz="1200" dirty="0">
                 <a:solidFill>
                   <a:prstClr val="white"/>
                 </a:solidFill>
                 <a:latin typeface="맑은 고딕"/>
               </a:rPr>
-              <a:t>UNLOAD</a:t>
-            </a:r>
-            <a:r>
-              <a:rPr lang="en-US" altLang="ko-KR" sz="1100"/>
-              <a:t> </a:t>
-            </a:r>
-            <a:r>
-              <a:rPr lang="en-US" altLang="ko-KR" sz="1100" dirty="0">
+              <a:t> UnloadClear</a:t>
+            </a:r>
+            <a:r>
+              <a:rPr lang="en-US" altLang="ko-KR" sz="1200" dirty="0">
                 <a:ea typeface="현대하모니 M" panose="02020603020101020101"/>
               </a:rPr>
               <a:t>]</a:t>
             </a:r>
-            <a:endParaRPr lang="ko-KR" altLang="en-US" sz="1100" dirty="0">
+            <a:endParaRPr lang="ko-KR" altLang="en-US" sz="1200" dirty="0">
               <a:ea typeface="현대하모니 M" panose="02020603020101020101"/>
             </a:endParaRPr>
           </a:p>
         </p:txBody>
       </p:sp>
-      <p:cxnSp>
-        <p:nvCxnSpPr>
-          <p:cNvPr id="12" name="연결선: 꺾임 11">
-            <a:extLst>
-              <a:ext uri="{FF2B5EF4-FFF2-40B4-BE49-F238E27FC236}">
-                <a16:creationId xmlns:a16="http://schemas.microsoft.com/office/drawing/2014/main" id="{A7DAF481-C23A-5957-185B-EE265F03CC64}"/>
-              </a:ext>
-            </a:extLst>
-          </p:cNvPr>
-          <p:cNvCxnSpPr>
-            <a:cxnSpLocks/>
-            <a:stCxn id="5" idx="0"/>
-            <a:endCxn id="76" idx="2"/>
-          </p:cNvCxnSpPr>
-          <p:nvPr/>
-        </p:nvCxnSpPr>
-        <p:spPr>
-          <a:xfrm rot="5400000" flipH="1" flipV="1">
-            <a:off x="5299736" y="3780085"/>
-            <a:ext cx="531728" cy="1177637"/>
-          </a:xfrm>
-          <a:prstGeom prst="bentConnector3">
-            <a:avLst>
-              <a:gd name="adj1" fmla="val 50000"/>
-            </a:avLst>
-          </a:prstGeom>
-          <a:ln w="25400">
-            <a:prstDash val="dash"/>
-            <a:headEnd w="lg" len="lg"/>
-            <a:tailEnd type="triangle" w="lg" len="lg"/>
-          </a:ln>
-        </p:spPr>
-        <p:style>
-          <a:lnRef idx="1">
-            <a:schemeClr val="accent1"/>
-          </a:lnRef>
-          <a:fillRef idx="0">
-            <a:schemeClr val="accent1"/>
-          </a:fillRef>
-          <a:effectRef idx="0">
-            <a:schemeClr val="accent1"/>
-          </a:effectRef>
-          <a:fontRef idx="minor">
-            <a:schemeClr val="tx1"/>
-          </a:fontRef>
-        </p:style>
-      </p:cxnSp>
     </p:spTree>
     <p:extLst>
       <p:ext uri="{BB962C8B-B14F-4D97-AF65-F5344CB8AC3E}">

--- a/DsDotNet/src/UnitTest/UnitTest.Model/ImportOfficeExample/Sample/Sub/PaintShop.pptx
+++ b/DsDotNet/src/UnitTest/UnitTest.Model/ImportOfficeExample/Sample/Sub/PaintShop.pptx
@@ -216,7 +216,7 @@
           <a:p>
             <a:fld id="{DD503887-5801-43A0-AEF9-041E8DDC2558}" type="datetimeFigureOut">
               <a:rPr lang="ko-KR" altLang="en-US" smtClean="0"/>
-              <a:t>2024-07-13</a:t>
+              <a:t>2024-07-17</a:t>
             </a:fld>
             <a:endParaRPr lang="ko-KR" altLang="en-US"/>
           </a:p>
@@ -393,7 +393,7 @@
           <a:p>
             <a:fld id="{95336A0E-57B1-4D4C-BD9B-2F72B5943464}" type="datetimeFigureOut">
               <a:rPr lang="ko-KR" altLang="en-US" smtClean="0"/>
-              <a:t>2024-07-13</a:t>
+              <a:t>2024-07-17</a:t>
             </a:fld>
             <a:endParaRPr lang="ko-KR" altLang="en-US"/>
           </a:p>
@@ -839,321 +839,228 @@
           </a:p>
         </p:txBody>
       </p:sp>
-      <p:grpSp>
-        <p:nvGrpSpPr>
-          <p:cNvPr id="9" name="그룹 8">
+      <p:sp>
+        <p:nvSpPr>
+          <p:cNvPr id="10" name="자유형: 도형 9">
             <a:extLst>
               <a:ext uri="{FF2B5EF4-FFF2-40B4-BE49-F238E27FC236}">
-                <a16:creationId xmlns:a16="http://schemas.microsoft.com/office/drawing/2014/main" id="{EB6FF8E2-165B-49EB-8120-14190F9491BC}"/>
-              </a:ext>
-              <a:ext uri="{C183D7F6-B498-43B3-948B-1728B52AA6E4}">
-                <adec:decorative xmlns:adec="http://schemas.microsoft.com/office/drawing/2017/decorative" val="1"/>
+                <a16:creationId xmlns:a16="http://schemas.microsoft.com/office/drawing/2014/main" id="{79B763A7-EE7D-4306-8306-01E8C86E6350}"/>
               </a:ext>
             </a:extLst>
           </p:cNvPr>
-          <p:cNvGrpSpPr/>
-          <p:nvPr userDrawn="1"/>
-        </p:nvGrpSpPr>
-        <p:grpSpPr>
-          <a:xfrm rot="5400000">
-            <a:off x="10915300" y="5534727"/>
-            <a:ext cx="667802" cy="631474"/>
-            <a:chOff x="10478914" y="1506691"/>
-            <a:chExt cx="667802" cy="631474"/>
+          <p:cNvSpPr>
+            <a:spLocks noChangeAspect="1"/>
+          </p:cNvSpPr>
+          <p:nvPr/>
+        </p:nvSpPr>
+        <p:spPr>
+          <a:xfrm rot="13500000">
+            <a:off x="10979201" y="5598628"/>
+            <a:ext cx="540001" cy="631474"/>
           </a:xfrm>
-        </p:grpSpPr>
-        <p:sp>
-          <p:nvSpPr>
-            <p:cNvPr id="10" name="자유형: 도형 9">
-              <a:extLst>
-                <a:ext uri="{FF2B5EF4-FFF2-40B4-BE49-F238E27FC236}">
-                  <a16:creationId xmlns:a16="http://schemas.microsoft.com/office/drawing/2014/main" id="{79B763A7-EE7D-4306-8306-01E8C86E6350}"/>
-                </a:ext>
-              </a:extLst>
-            </p:cNvPr>
-            <p:cNvSpPr>
-              <a:spLocks noChangeAspect="1"/>
-            </p:cNvSpPr>
-            <p:nvPr/>
-          </p:nvSpPr>
-          <p:spPr>
-            <a:xfrm rot="8100000">
-              <a:off x="10606715" y="1506691"/>
-              <a:ext cx="540001" cy="631474"/>
-            </a:xfrm>
-            <a:custGeom>
+          <a:custGeom>
+            <a:avLst/>
+            <a:gdLst>
+              <a:gd name="connsiteX0" fmla="*/ 540000 w 1080000"/>
+              <a:gd name="connsiteY0" fmla="*/ 0 h 1262947"/>
+              <a:gd name="connsiteX1" fmla="*/ 1080000 w 1080000"/>
+              <a:gd name="connsiteY1" fmla="*/ 931034 h 1262947"/>
+              <a:gd name="connsiteX2" fmla="*/ 1064374 w 1080000"/>
+              <a:gd name="connsiteY2" fmla="*/ 931034 h 1262947"/>
+              <a:gd name="connsiteX3" fmla="*/ 1069029 w 1080000"/>
+              <a:gd name="connsiteY3" fmla="*/ 938533 h 1262947"/>
+              <a:gd name="connsiteX4" fmla="*/ 1080000 w 1080000"/>
+              <a:gd name="connsiteY4" fmla="*/ 992947 h 1262947"/>
+              <a:gd name="connsiteX5" fmla="*/ 540000 w 1080000"/>
+              <a:gd name="connsiteY5" fmla="*/ 1262947 h 1262947"/>
+              <a:gd name="connsiteX6" fmla="*/ 0 w 1080000"/>
+              <a:gd name="connsiteY6" fmla="*/ 992947 h 1262947"/>
+              <a:gd name="connsiteX7" fmla="*/ 10971 w 1080000"/>
+              <a:gd name="connsiteY7" fmla="*/ 938533 h 1262947"/>
+              <a:gd name="connsiteX8" fmla="*/ 15626 w 1080000"/>
+              <a:gd name="connsiteY8" fmla="*/ 931034 h 1262947"/>
+              <a:gd name="connsiteX9" fmla="*/ 0 w 1080000"/>
+              <a:gd name="connsiteY9" fmla="*/ 931034 h 1262947"/>
+              <a:gd name="connsiteX0" fmla="*/ 540000 w 1080000"/>
+              <a:gd name="connsiteY0" fmla="*/ 0 h 1262947"/>
+              <a:gd name="connsiteX1" fmla="*/ 1080000 w 1080000"/>
+              <a:gd name="connsiteY1" fmla="*/ 931034 h 1262947"/>
+              <a:gd name="connsiteX2" fmla="*/ 1064374 w 1080000"/>
+              <a:gd name="connsiteY2" fmla="*/ 931034 h 1262947"/>
+              <a:gd name="connsiteX3" fmla="*/ 1069029 w 1080000"/>
+              <a:gd name="connsiteY3" fmla="*/ 938533 h 1262947"/>
+              <a:gd name="connsiteX4" fmla="*/ 1080000 w 1080000"/>
+              <a:gd name="connsiteY4" fmla="*/ 992947 h 1262947"/>
+              <a:gd name="connsiteX5" fmla="*/ 540000 w 1080000"/>
+              <a:gd name="connsiteY5" fmla="*/ 1262947 h 1262947"/>
+              <a:gd name="connsiteX6" fmla="*/ 0 w 1080000"/>
+              <a:gd name="connsiteY6" fmla="*/ 992947 h 1262947"/>
+              <a:gd name="connsiteX7" fmla="*/ 10971 w 1080000"/>
+              <a:gd name="connsiteY7" fmla="*/ 938533 h 1262947"/>
+              <a:gd name="connsiteX8" fmla="*/ 15626 w 1080000"/>
+              <a:gd name="connsiteY8" fmla="*/ 931034 h 1262947"/>
+              <a:gd name="connsiteX9" fmla="*/ 540000 w 1080000"/>
+              <a:gd name="connsiteY9" fmla="*/ 0 h 1262947"/>
+              <a:gd name="connsiteX0" fmla="*/ 540000 w 1080000"/>
+              <a:gd name="connsiteY0" fmla="*/ 0 h 1262947"/>
+              <a:gd name="connsiteX1" fmla="*/ 1064374 w 1080000"/>
+              <a:gd name="connsiteY1" fmla="*/ 931034 h 1262947"/>
+              <a:gd name="connsiteX2" fmla="*/ 1069029 w 1080000"/>
+              <a:gd name="connsiteY2" fmla="*/ 938533 h 1262947"/>
+              <a:gd name="connsiteX3" fmla="*/ 1080000 w 1080000"/>
+              <a:gd name="connsiteY3" fmla="*/ 992947 h 1262947"/>
+              <a:gd name="connsiteX4" fmla="*/ 540000 w 1080000"/>
+              <a:gd name="connsiteY4" fmla="*/ 1262947 h 1262947"/>
+              <a:gd name="connsiteX5" fmla="*/ 0 w 1080000"/>
+              <a:gd name="connsiteY5" fmla="*/ 992947 h 1262947"/>
+              <a:gd name="connsiteX6" fmla="*/ 10971 w 1080000"/>
+              <a:gd name="connsiteY6" fmla="*/ 938533 h 1262947"/>
+              <a:gd name="connsiteX7" fmla="*/ 15626 w 1080000"/>
+              <a:gd name="connsiteY7" fmla="*/ 931034 h 1262947"/>
+              <a:gd name="connsiteX8" fmla="*/ 540000 w 1080000"/>
+              <a:gd name="connsiteY8" fmla="*/ 0 h 1262947"/>
+            </a:gdLst>
+            <a:ahLst/>
+            <a:cxnLst>
+              <a:cxn ang="0">
+                <a:pos x="connsiteX0" y="connsiteY0"/>
+              </a:cxn>
+              <a:cxn ang="0">
+                <a:pos x="connsiteX1" y="connsiteY1"/>
+              </a:cxn>
+              <a:cxn ang="0">
+                <a:pos x="connsiteX2" y="connsiteY2"/>
+              </a:cxn>
+              <a:cxn ang="0">
+                <a:pos x="connsiteX3" y="connsiteY3"/>
+              </a:cxn>
+              <a:cxn ang="0">
+                <a:pos x="connsiteX4" y="connsiteY4"/>
+              </a:cxn>
+              <a:cxn ang="0">
+                <a:pos x="connsiteX5" y="connsiteY5"/>
+              </a:cxn>
+              <a:cxn ang="0">
+                <a:pos x="connsiteX6" y="connsiteY6"/>
+              </a:cxn>
+              <a:cxn ang="0">
+                <a:pos x="connsiteX7" y="connsiteY7"/>
+              </a:cxn>
+              <a:cxn ang="0">
+                <a:pos x="connsiteX8" y="connsiteY8"/>
+              </a:cxn>
+            </a:cxnLst>
+            <a:rect l="l" t="t" r="r" b="b"/>
+            <a:pathLst>
+              <a:path w="1080000" h="1262947">
+                <a:moveTo>
+                  <a:pt x="540000" y="0"/>
+                </a:moveTo>
+                <a:lnTo>
+                  <a:pt x="1064374" y="931034"/>
+                </a:lnTo>
+                <a:lnTo>
+                  <a:pt x="1069029" y="938533"/>
+                </a:lnTo>
+                <a:cubicBezTo>
+                  <a:pt x="1076223" y="956109"/>
+                  <a:pt x="1080000" y="974307"/>
+                  <a:pt x="1080000" y="992947"/>
+                </a:cubicBezTo>
+                <a:cubicBezTo>
+                  <a:pt x="1080000" y="1142064"/>
+                  <a:pt x="838234" y="1262947"/>
+                  <a:pt x="540000" y="1262947"/>
+                </a:cubicBezTo>
+                <a:cubicBezTo>
+                  <a:pt x="241766" y="1262947"/>
+                  <a:pt x="0" y="1142064"/>
+                  <a:pt x="0" y="992947"/>
+                </a:cubicBezTo>
+                <a:cubicBezTo>
+                  <a:pt x="0" y="974307"/>
+                  <a:pt x="3778" y="956109"/>
+                  <a:pt x="10971" y="938533"/>
+                </a:cubicBezTo>
+                <a:lnTo>
+                  <a:pt x="15626" y="931034"/>
+                </a:lnTo>
+                <a:lnTo>
+                  <a:pt x="540000" y="0"/>
+                </a:lnTo>
+                <a:close/>
+              </a:path>
+            </a:pathLst>
+          </a:custGeom>
+          <a:gradFill>
+            <a:gsLst>
+              <a:gs pos="60000">
+                <a:schemeClr val="bg2">
+                  <a:lumMod val="90000"/>
+                  <a:lumOff val="10000"/>
+                </a:schemeClr>
+              </a:gs>
+              <a:gs pos="30000">
+                <a:schemeClr val="bg2">
+                  <a:lumMod val="90000"/>
+                  <a:lumOff val="10000"/>
+                </a:schemeClr>
+              </a:gs>
+              <a:gs pos="40000">
+                <a:schemeClr val="bg2">
+                  <a:lumMod val="80000"/>
+                  <a:lumOff val="20000"/>
+                </a:schemeClr>
+              </a:gs>
+              <a:gs pos="100000">
+                <a:schemeClr val="bg2"/>
+              </a:gs>
+            </a:gsLst>
+            <a:lin ang="600000" scaled="0"/>
+          </a:gradFill>
+          <a:ln>
+            <a:noFill/>
+          </a:ln>
+          <a:effectLst>
+            <a:innerShdw blurRad="101600" dist="50800" dir="7320000">
+              <a:schemeClr val="accent1">
+                <a:lumMod val="60000"/>
+                <a:lumOff val="40000"/>
+                <a:alpha val="20000"/>
+              </a:schemeClr>
+            </a:innerShdw>
+          </a:effectLst>
+        </p:spPr>
+        <p:style>
+          <a:lnRef idx="2">
+            <a:schemeClr val="accent1">
+              <a:shade val="50000"/>
+            </a:schemeClr>
+          </a:lnRef>
+          <a:fillRef idx="1">
+            <a:schemeClr val="accent1"/>
+          </a:fillRef>
+          <a:effectRef idx="0">
+            <a:schemeClr val="accent1"/>
+          </a:effectRef>
+          <a:fontRef idx="minor">
+            <a:schemeClr val="lt1"/>
+          </a:fontRef>
+        </p:style>
+        <p:txBody>
+          <a:bodyPr rot="0" spcFirstLastPara="0" vertOverflow="overflow" horzOverflow="overflow" vert="horz" wrap="square" lIns="91440" tIns="45720" rIns="91440" bIns="45720" numCol="1" spcCol="0" rtlCol="0" fromWordArt="0" anchor="ctr" anchorCtr="0" forceAA="0" compatLnSpc="1">
+            <a:prstTxWarp prst="textNoShape">
               <a:avLst/>
-              <a:gdLst>
-                <a:gd name="connsiteX0" fmla="*/ 540000 w 1080000"/>
-                <a:gd name="connsiteY0" fmla="*/ 0 h 1262947"/>
-                <a:gd name="connsiteX1" fmla="*/ 1080000 w 1080000"/>
-                <a:gd name="connsiteY1" fmla="*/ 931034 h 1262947"/>
-                <a:gd name="connsiteX2" fmla="*/ 1064374 w 1080000"/>
-                <a:gd name="connsiteY2" fmla="*/ 931034 h 1262947"/>
-                <a:gd name="connsiteX3" fmla="*/ 1069029 w 1080000"/>
-                <a:gd name="connsiteY3" fmla="*/ 938533 h 1262947"/>
-                <a:gd name="connsiteX4" fmla="*/ 1080000 w 1080000"/>
-                <a:gd name="connsiteY4" fmla="*/ 992947 h 1262947"/>
-                <a:gd name="connsiteX5" fmla="*/ 540000 w 1080000"/>
-                <a:gd name="connsiteY5" fmla="*/ 1262947 h 1262947"/>
-                <a:gd name="connsiteX6" fmla="*/ 0 w 1080000"/>
-                <a:gd name="connsiteY6" fmla="*/ 992947 h 1262947"/>
-                <a:gd name="connsiteX7" fmla="*/ 10971 w 1080000"/>
-                <a:gd name="connsiteY7" fmla="*/ 938533 h 1262947"/>
-                <a:gd name="connsiteX8" fmla="*/ 15626 w 1080000"/>
-                <a:gd name="connsiteY8" fmla="*/ 931034 h 1262947"/>
-                <a:gd name="connsiteX9" fmla="*/ 0 w 1080000"/>
-                <a:gd name="connsiteY9" fmla="*/ 931034 h 1262947"/>
-                <a:gd name="connsiteX0" fmla="*/ 540000 w 1080000"/>
-                <a:gd name="connsiteY0" fmla="*/ 0 h 1262947"/>
-                <a:gd name="connsiteX1" fmla="*/ 1080000 w 1080000"/>
-                <a:gd name="connsiteY1" fmla="*/ 931034 h 1262947"/>
-                <a:gd name="connsiteX2" fmla="*/ 1064374 w 1080000"/>
-                <a:gd name="connsiteY2" fmla="*/ 931034 h 1262947"/>
-                <a:gd name="connsiteX3" fmla="*/ 1069029 w 1080000"/>
-                <a:gd name="connsiteY3" fmla="*/ 938533 h 1262947"/>
-                <a:gd name="connsiteX4" fmla="*/ 1080000 w 1080000"/>
-                <a:gd name="connsiteY4" fmla="*/ 992947 h 1262947"/>
-                <a:gd name="connsiteX5" fmla="*/ 540000 w 1080000"/>
-                <a:gd name="connsiteY5" fmla="*/ 1262947 h 1262947"/>
-                <a:gd name="connsiteX6" fmla="*/ 0 w 1080000"/>
-                <a:gd name="connsiteY6" fmla="*/ 992947 h 1262947"/>
-                <a:gd name="connsiteX7" fmla="*/ 10971 w 1080000"/>
-                <a:gd name="connsiteY7" fmla="*/ 938533 h 1262947"/>
-                <a:gd name="connsiteX8" fmla="*/ 15626 w 1080000"/>
-                <a:gd name="connsiteY8" fmla="*/ 931034 h 1262947"/>
-                <a:gd name="connsiteX9" fmla="*/ 540000 w 1080000"/>
-                <a:gd name="connsiteY9" fmla="*/ 0 h 1262947"/>
-                <a:gd name="connsiteX0" fmla="*/ 540000 w 1080000"/>
-                <a:gd name="connsiteY0" fmla="*/ 0 h 1262947"/>
-                <a:gd name="connsiteX1" fmla="*/ 1064374 w 1080000"/>
-                <a:gd name="connsiteY1" fmla="*/ 931034 h 1262947"/>
-                <a:gd name="connsiteX2" fmla="*/ 1069029 w 1080000"/>
-                <a:gd name="connsiteY2" fmla="*/ 938533 h 1262947"/>
-                <a:gd name="connsiteX3" fmla="*/ 1080000 w 1080000"/>
-                <a:gd name="connsiteY3" fmla="*/ 992947 h 1262947"/>
-                <a:gd name="connsiteX4" fmla="*/ 540000 w 1080000"/>
-                <a:gd name="connsiteY4" fmla="*/ 1262947 h 1262947"/>
-                <a:gd name="connsiteX5" fmla="*/ 0 w 1080000"/>
-                <a:gd name="connsiteY5" fmla="*/ 992947 h 1262947"/>
-                <a:gd name="connsiteX6" fmla="*/ 10971 w 1080000"/>
-                <a:gd name="connsiteY6" fmla="*/ 938533 h 1262947"/>
-                <a:gd name="connsiteX7" fmla="*/ 15626 w 1080000"/>
-                <a:gd name="connsiteY7" fmla="*/ 931034 h 1262947"/>
-                <a:gd name="connsiteX8" fmla="*/ 540000 w 1080000"/>
-                <a:gd name="connsiteY8" fmla="*/ 0 h 1262947"/>
-              </a:gdLst>
-              <a:ahLst/>
-              <a:cxnLst>
-                <a:cxn ang="0">
-                  <a:pos x="connsiteX0" y="connsiteY0"/>
-                </a:cxn>
-                <a:cxn ang="0">
-                  <a:pos x="connsiteX1" y="connsiteY1"/>
-                </a:cxn>
-                <a:cxn ang="0">
-                  <a:pos x="connsiteX2" y="connsiteY2"/>
-                </a:cxn>
-                <a:cxn ang="0">
-                  <a:pos x="connsiteX3" y="connsiteY3"/>
-                </a:cxn>
-                <a:cxn ang="0">
-                  <a:pos x="connsiteX4" y="connsiteY4"/>
-                </a:cxn>
-                <a:cxn ang="0">
-                  <a:pos x="connsiteX5" y="connsiteY5"/>
-                </a:cxn>
-                <a:cxn ang="0">
-                  <a:pos x="connsiteX6" y="connsiteY6"/>
-                </a:cxn>
-                <a:cxn ang="0">
-                  <a:pos x="connsiteX7" y="connsiteY7"/>
-                </a:cxn>
-                <a:cxn ang="0">
-                  <a:pos x="connsiteX8" y="connsiteY8"/>
-                </a:cxn>
-              </a:cxnLst>
-              <a:rect l="l" t="t" r="r" b="b"/>
-              <a:pathLst>
-                <a:path w="1080000" h="1262947">
-                  <a:moveTo>
-                    <a:pt x="540000" y="0"/>
-                  </a:moveTo>
-                  <a:lnTo>
-                    <a:pt x="1064374" y="931034"/>
-                  </a:lnTo>
-                  <a:lnTo>
-                    <a:pt x="1069029" y="938533"/>
-                  </a:lnTo>
-                  <a:cubicBezTo>
-                    <a:pt x="1076223" y="956109"/>
-                    <a:pt x="1080000" y="974307"/>
-                    <a:pt x="1080000" y="992947"/>
-                  </a:cubicBezTo>
-                  <a:cubicBezTo>
-                    <a:pt x="1080000" y="1142064"/>
-                    <a:pt x="838234" y="1262947"/>
-                    <a:pt x="540000" y="1262947"/>
-                  </a:cubicBezTo>
-                  <a:cubicBezTo>
-                    <a:pt x="241766" y="1262947"/>
-                    <a:pt x="0" y="1142064"/>
-                    <a:pt x="0" y="992947"/>
-                  </a:cubicBezTo>
-                  <a:cubicBezTo>
-                    <a:pt x="0" y="974307"/>
-                    <a:pt x="3778" y="956109"/>
-                    <a:pt x="10971" y="938533"/>
-                  </a:cubicBezTo>
-                  <a:lnTo>
-                    <a:pt x="15626" y="931034"/>
-                  </a:lnTo>
-                  <a:lnTo>
-                    <a:pt x="540000" y="0"/>
-                  </a:lnTo>
-                  <a:close/>
-                </a:path>
-              </a:pathLst>
-            </a:custGeom>
-            <a:gradFill>
-              <a:gsLst>
-                <a:gs pos="60000">
-                  <a:schemeClr val="bg2">
-                    <a:lumMod val="90000"/>
-                    <a:lumOff val="10000"/>
-                  </a:schemeClr>
-                </a:gs>
-                <a:gs pos="30000">
-                  <a:schemeClr val="bg2">
-                    <a:lumMod val="90000"/>
-                    <a:lumOff val="10000"/>
-                  </a:schemeClr>
-                </a:gs>
-                <a:gs pos="40000">
-                  <a:schemeClr val="bg2">
-                    <a:lumMod val="80000"/>
-                    <a:lumOff val="20000"/>
-                  </a:schemeClr>
-                </a:gs>
-                <a:gs pos="100000">
-                  <a:schemeClr val="bg2"/>
-                </a:gs>
-              </a:gsLst>
-              <a:lin ang="600000" scaled="0"/>
-            </a:gradFill>
-            <a:ln>
-              <a:noFill/>
-            </a:ln>
-            <a:effectLst>
-              <a:innerShdw blurRad="101600" dist="50800" dir="7320000">
-                <a:schemeClr val="accent1">
-                  <a:lumMod val="60000"/>
-                  <a:lumOff val="40000"/>
-                  <a:alpha val="20000"/>
-                </a:schemeClr>
-              </a:innerShdw>
-            </a:effectLst>
-          </p:spPr>
-          <p:style>
-            <a:lnRef idx="2">
-              <a:schemeClr val="accent1">
-                <a:shade val="50000"/>
-              </a:schemeClr>
-            </a:lnRef>
-            <a:fillRef idx="1">
-              <a:schemeClr val="accent1"/>
-            </a:fillRef>
-            <a:effectRef idx="0">
-              <a:schemeClr val="accent1"/>
-            </a:effectRef>
-            <a:fontRef idx="minor">
-              <a:schemeClr val="lt1"/>
-            </a:fontRef>
-          </p:style>
-          <p:txBody>
-            <a:bodyPr rot="0" spcFirstLastPara="0" vertOverflow="overflow" horzOverflow="overflow" vert="horz" wrap="square" lIns="91440" tIns="45720" rIns="91440" bIns="45720" numCol="1" spcCol="0" rtlCol="0" fromWordArt="0" anchor="ctr" anchorCtr="0" forceAA="0" compatLnSpc="1">
-              <a:prstTxWarp prst="textNoShape">
-                <a:avLst/>
-              </a:prstTxWarp>
-              <a:noAutofit/>
-            </a:bodyPr>
-            <a:lstStyle/>
-            <a:p>
-              <a:pPr algn="ctr" rtl="0"/>
-              <a:endParaRPr lang="ko-KR"/>
-            </a:p>
-          </p:txBody>
-        </p:sp>
-        <p:sp>
-          <p:nvSpPr>
-            <p:cNvPr id="11" name="타원 10">
-              <a:extLst>
-                <a:ext uri="{FF2B5EF4-FFF2-40B4-BE49-F238E27FC236}">
-                  <a16:creationId xmlns:a16="http://schemas.microsoft.com/office/drawing/2014/main" id="{4B3A935F-6844-4FCE-B0AE-5492715A58F1}"/>
-                </a:ext>
-              </a:extLst>
-            </p:cNvPr>
-            <p:cNvSpPr/>
-            <p:nvPr/>
-          </p:nvSpPr>
-          <p:spPr>
-            <a:xfrm rot="13500000">
-              <a:off x="10613915" y="1424627"/>
-              <a:ext cx="270000" cy="540001"/>
-            </a:xfrm>
-            <a:prstGeom prst="ellipse">
-              <a:avLst/>
-            </a:prstGeom>
-            <a:solidFill>
-              <a:schemeClr val="bg2">
-                <a:lumMod val="90000"/>
-                <a:lumOff val="10000"/>
-              </a:schemeClr>
-            </a:solidFill>
-            <a:ln>
-              <a:noFill/>
-            </a:ln>
-            <a:effectLst>
-              <a:innerShdw blurRad="1270000" dist="2540000">
-                <a:schemeClr val="accent1">
-                  <a:lumMod val="60000"/>
-                  <a:lumOff val="40000"/>
-                  <a:alpha val="0"/>
-                </a:schemeClr>
-              </a:innerShdw>
-            </a:effectLst>
-          </p:spPr>
-          <p:style>
-            <a:lnRef idx="2">
-              <a:schemeClr val="accent1">
-                <a:shade val="50000"/>
-              </a:schemeClr>
-            </a:lnRef>
-            <a:fillRef idx="1">
-              <a:schemeClr val="accent1"/>
-            </a:fillRef>
-            <a:effectRef idx="0">
-              <a:schemeClr val="accent1"/>
-            </a:effectRef>
-            <a:fontRef idx="minor">
-              <a:schemeClr val="lt1"/>
-            </a:fontRef>
-          </p:style>
-          <p:txBody>
-            <a:bodyPr rot="0" spcFirstLastPara="0" vertOverflow="overflow" horzOverflow="overflow" vert="horz" wrap="square" lIns="91440" tIns="45720" rIns="91440" bIns="45720" numCol="1" spcCol="0" rtlCol="0" fromWordArt="0" anchor="ctr" anchorCtr="0" forceAA="0" compatLnSpc="1">
-              <a:prstTxWarp prst="textNoShape">
-                <a:avLst/>
-              </a:prstTxWarp>
-              <a:noAutofit/>
-            </a:bodyPr>
-            <a:lstStyle/>
-            <a:p>
-              <a:pPr algn="ctr" rtl="0"/>
-              <a:endParaRPr lang="ko-KR"/>
-            </a:p>
-          </p:txBody>
-        </p:sp>
-      </p:grpSp>
+            </a:prstTxWarp>
+            <a:noAutofit/>
+          </a:bodyPr>
+          <a:lstStyle/>
+          <a:p>
+            <a:pPr algn="ctr" rtl="0"/>
+            <a:endParaRPr lang="ko-KR"/>
+          </a:p>
+        </p:txBody>
+      </p:sp>
       <p:sp>
         <p:nvSpPr>
           <p:cNvPr id="3" name="텍스트 개체 틀 2">
